--- a/presentation.pptx
+++ b/presentation.pptx
@@ -3133,7 +3133,7 @@
               <a:defRPr sz="2400"/>
             </a:pPr>
             <a:r>
-              <a:t>What is Redux? - A state management library, centralizes application state, library-agnostic.</a:t>
+              <a:t>What is Redux? - A state management library, centralizes application state, works with React but is library-agnostic.</a:t>
             </a:r>
           </a:p>
           <a:p>
@@ -3144,7 +3144,7 @@
               <a:defRPr sz="2400"/>
             </a:pPr>
             <a:r>
-              <a:t>Why Use Redux? - Manages complex state logic, single source of truth, improves predictability.</a:t>
+              <a:t>Why Use Redux? - Manages complex state logic, centralizes data, improves predictability and debugging.</a:t>
             </a:r>
           </a:p>
           <a:p>
@@ -3177,7 +3177,7 @@
               <a:defRPr sz="2400"/>
             </a:pPr>
             <a:r>
-              <a:t>Redux Flow - User interaction → Dispatch action → Reducer → New state → UI re-renders.</a:t>
+              <a:t>Redux Flow - User interaction → Dispatch action → Reducer updates state → UI re-renders.</a:t>
             </a:r>
           </a:p>
           <a:p>
@@ -3199,7 +3199,7 @@
               <a:defRPr sz="2400"/>
             </a:pPr>
             <a:r>
-              <a:t>Modern Redux (RTK) - Reduces boilerplate, createSlice, createAsyncThunk.</a:t>
+              <a:t>Modern Redux (RTK) - Simplifies Redux logic, reduces boilerplate, includes createSlice and createAsyncThunk.</a:t>
             </a:r>
           </a:p>
           <a:p>
@@ -3210,7 +3210,7 @@
               <a:defRPr sz="2400"/>
             </a:pPr>
             <a:r>
-              <a:t>When NOT to Use Redux - Small apps, no global state, Context API/useState sufficient.</a:t>
+              <a:t>When NOT to Use Redux? - Small apps, simple state, or when Context API/useState suffices.</a:t>
             </a:r>
           </a:p>
           <a:p>
@@ -3221,7 +3221,7 @@
               <a:defRPr sz="2400"/>
             </a:pPr>
             <a:r>
-              <a:t>Benefits - Centralized state, predictable transitions, easy debugging, scalable.</a:t>
+              <a:t>Benefits - Centralized state, predictable transitions, easy debugging, scalable architecture.</a:t>
             </a:r>
           </a:p>
           <a:p>
@@ -3243,7 +3243,7 @@
               <a:defRPr sz="2400"/>
             </a:pPr>
             <a:r>
-              <a:t>Best Practices - Pure reducers, normalized state shape.</a:t>
+              <a:t>Best Practices - Pure reducers, normalized state, avoid non-serializable data.</a:t>
             </a:r>
           </a:p>
         </p:txBody>
@@ -3310,7 +3310,7 @@
               <a:defRPr sz="2400"/>
             </a:pPr>
             <a:r>
-              <a:t>Avoid non-serializable values in state.</a:t>
+              <a:t>Use Redux Toolkit to simplify setup.</a:t>
             </a:r>
           </a:p>
           <a:p>
@@ -3321,7 +3321,7 @@
               <a:defRPr sz="2400"/>
             </a:pPr>
             <a:r>
-              <a:t>Simplify setup using Redux Toolkit.</a:t>
+              <a:t>Use selectors to avoid tight coupling to state shape.</a:t>
             </a:r>
           </a:p>
           <a:p>
@@ -3332,7 +3332,7 @@
               <a:defRPr sz="2400"/>
             </a:pPr>
             <a:r>
-              <a:t>Use selectors to decouple from state shape.</a:t>
+              <a:t>Comparison of Redux and Context API:</a:t>
             </a:r>
           </a:p>
           <a:p>
@@ -3343,7 +3343,7 @@
               <a:defRPr sz="2400"/>
             </a:pPr>
             <a:r>
-              <a:t>Comparison: Redux vs Context API.</a:t>
+              <a:t>- Redux: Best for large apps, complex state flows.</a:t>
             </a:r>
           </a:p>
           <a:p>
@@ -3354,7 +3354,95 @@
               <a:defRPr sz="2400"/>
             </a:pPr>
             <a:r>
-              <a:t>When to use Context API vs Redux.</a:t>
+              <a:t>- Context API: Best for small to medium apps, simple state.</a:t>
+            </a:r>
+          </a:p>
+          <a:p>
+            <a:pPr>
+              <a:spcAft>
+                <a:spcPts val="1200"/>
+              </a:spcAft>
+              <a:defRPr sz="2400"/>
+            </a:pPr>
+            <a:r>
+              <a:t>When to use Context API:</a:t>
+            </a:r>
+          </a:p>
+          <a:p>
+            <a:pPr>
+              <a:spcAft>
+                <a:spcPts val="1200"/>
+              </a:spcAft>
+              <a:defRPr sz="2400"/>
+            </a:pPr>
+            <a:r>
+              <a:t>- For static or lightweight state (e.g., theme, auth).</a:t>
+            </a:r>
+          </a:p>
+          <a:p>
+            <a:pPr>
+              <a:spcAft>
+                <a:spcPts val="1200"/>
+              </a:spcAft>
+              <a:defRPr sz="2400"/>
+            </a:pPr>
+            <a:r>
+              <a:t>- When avoiding extra libraries.</a:t>
+            </a:r>
+          </a:p>
+          <a:p>
+            <a:pPr>
+              <a:spcAft>
+                <a:spcPts val="1200"/>
+              </a:spcAft>
+              <a:defRPr sz="2400"/>
+            </a:pPr>
+            <a:r>
+              <a:t>- When state changes infrequently.</a:t>
+            </a:r>
+          </a:p>
+          <a:p>
+            <a:pPr>
+              <a:spcAft>
+                <a:spcPts val="1200"/>
+              </a:spcAft>
+              <a:defRPr sz="2400"/>
+            </a:pPr>
+            <a:r>
+              <a:t>When to use Redux:</a:t>
+            </a:r>
+          </a:p>
+          <a:p>
+            <a:pPr>
+              <a:spcAft>
+                <a:spcPts val="1200"/>
+              </a:spcAft>
+              <a:defRPr sz="2400"/>
+            </a:pPr>
+            <a:r>
+              <a:t>- For large, shared, or complex app state.</a:t>
+            </a:r>
+          </a:p>
+          <a:p>
+            <a:pPr>
+              <a:spcAft>
+                <a:spcPts val="1200"/>
+              </a:spcAft>
+              <a:defRPr sz="2400"/>
+            </a:pPr>
+            <a:r>
+              <a:t>- When middleware, async handling, or devtools are needed.</a:t>
+            </a:r>
+          </a:p>
+          <a:p>
+            <a:pPr>
+              <a:spcAft>
+                <a:spcPts val="1200"/>
+              </a:spcAft>
+              <a:defRPr sz="2400"/>
+            </a:pPr>
+            <a:r>
+              <a:t>- For predictable and testable state transitions.</a:t>
             </a:r>
           </a:p>
         </p:txBody>

--- a/presentation.pptx
+++ b/presentation.pptx
@@ -3133,7 +3133,7 @@
               <a:defRPr sz="2400"/>
             </a:pPr>
             <a:r>
-              <a:t>What is Redux? - A state management library, centralizes application state, works with React but is library-agnostic.</a:t>
+              <a:t>A Promise is an object representing the eventual completion or failure of an asynchronous operation.</a:t>
             </a:r>
           </a:p>
           <a:p>
@@ -3144,7 +3144,7 @@
               <a:defRPr sz="2400"/>
             </a:pPr>
             <a:r>
-              <a:t>Why Use Redux? - Manages complex state logic, centralizes data, improves predictability and debugging.</a:t>
+              <a:t>Promises have three states: Pending, Fulfilled, and Rejected.</a:t>
             </a:r>
           </a:p>
           <a:p>
@@ -3155,7 +3155,7 @@
               <a:defRPr sz="2400"/>
             </a:pPr>
             <a:r>
-              <a:t>Core Principles - Single source of truth, state is read-only, changes via pure functions.</a:t>
+              <a:t>Basic syntax involves creating a new Promise with resolve and reject functions.</a:t>
             </a:r>
           </a:p>
           <a:p>
@@ -3166,7 +3166,7 @@
               <a:defRPr sz="2400"/>
             </a:pPr>
             <a:r>
-              <a:t>Key Concepts - Store, Action, Reducer, Dispatch, Selector, Middleware.</a:t>
+              <a:t>Promises are immutable once settled (fulfilled or rejected).</a:t>
             </a:r>
           </a:p>
           <a:p>
@@ -3177,7 +3177,7 @@
               <a:defRPr sz="2400"/>
             </a:pPr>
             <a:r>
-              <a:t>Redux Flow - User interaction → Dispatch action → Reducer updates state → UI re-renders.</a:t>
+              <a:t>The .then() method allows chaining of success and failure handlers.</a:t>
             </a:r>
           </a:p>
           <a:p>
@@ -3188,7 +3188,7 @@
               <a:defRPr sz="2400"/>
             </a:pPr>
             <a:r>
-              <a:t>Integration with React - Use react-redux, Provider, useSelector, useDispatch.</a:t>
+              <a:t>Error handling is done using .catch(), which is syntactic sugar for .then(null, errorHandler).</a:t>
             </a:r>
           </a:p>
           <a:p>
@@ -3199,7 +3199,7 @@
               <a:defRPr sz="2400"/>
             </a:pPr>
             <a:r>
-              <a:t>Modern Redux (RTK) - Simplifies Redux logic, reduces boilerplate, includes createSlice and createAsyncThunk.</a:t>
+              <a:t>The .finally() method executes regardless of the promise's outcome, useful for cleanup tasks.</a:t>
             </a:r>
           </a:p>
           <a:p>
@@ -3210,7 +3210,7 @@
               <a:defRPr sz="2400"/>
             </a:pPr>
             <a:r>
-              <a:t>When NOT to Use Redux? - Small apps, simple state, or when Context API/useState suffices.</a:t>
+              <a:t>Returning a value or promise in .then() affects the next .then() in the chain.</a:t>
             </a:r>
           </a:p>
           <a:p>
@@ -3221,29 +3221,7 @@
               <a:defRPr sz="2400"/>
             </a:pPr>
             <a:r>
-              <a:t>Benefits - Centralized state, predictable transitions, easy debugging, scalable architecture.</a:t>
-            </a:r>
-          </a:p>
-          <a:p>
-            <a:pPr>
-              <a:spcAft>
-                <a:spcPts val="1200"/>
-              </a:spcAft>
-              <a:defRPr sz="2400"/>
-            </a:pPr>
-            <a:r>
-              <a:t>Common Middleware - redux-thunk, redux-saga, logger.</a:t>
-            </a:r>
-          </a:p>
-          <a:p>
-            <a:pPr>
-              <a:spcAft>
-                <a:spcPts val="1200"/>
-              </a:spcAft>
-              <a:defRPr sz="2400"/>
-            </a:pPr>
-            <a:r>
-              <a:t>Best Practices - Pure reducers, normalized state, avoid non-serializable data.</a:t>
+              <a:t>Static methods include Promise.resolve(), Promise.reject(), and Promise.all().</a:t>
             </a:r>
           </a:p>
         </p:txBody>
@@ -3310,7 +3288,7 @@
               <a:defRPr sz="2400"/>
             </a:pPr>
             <a:r>
-              <a:t>Use Redux Toolkit to simplify setup.</a:t>
+              <a:t>Promises provide a cleaner way to handle asynchronous operations compared to callbacks.</a:t>
             </a:r>
           </a:p>
           <a:p>
@@ -3321,7 +3299,7 @@
               <a:defRPr sz="2400"/>
             </a:pPr>
             <a:r>
-              <a:t>Use selectors to avoid tight coupling to state shape.</a:t>
+              <a:t>Promise.all waits for all promises to resolve or rejects if any one fails.</a:t>
             </a:r>
           </a:p>
           <a:p>
@@ -3332,7 +3310,7 @@
               <a:defRPr sz="2400"/>
             </a:pPr>
             <a:r>
-              <a:t>Comparison of Redux and Context API:</a:t>
+              <a:t>Promise.race resolves or rejects as soon as any one promise settles.</a:t>
             </a:r>
           </a:p>
           <a:p>
@@ -3343,7 +3321,7 @@
               <a:defRPr sz="2400"/>
             </a:pPr>
             <a:r>
-              <a:t>- Redux: Best for large apps, complex state flows.</a:t>
+              <a:t>Promise.allSettled waits for all promises to settle and returns their statuses and results.</a:t>
             </a:r>
           </a:p>
           <a:p>
@@ -3354,7 +3332,7 @@
               <a:defRPr sz="2400"/>
             </a:pPr>
             <a:r>
-              <a:t>- Context API: Best for small to medium apps, simple state.</a:t>
+              <a:t>Promise.any resolves as soon as one promise fulfills or returns an AggregateError if all reject.</a:t>
             </a:r>
           </a:p>
           <a:p>
@@ -3365,7 +3343,7 @@
               <a:defRPr sz="2400"/>
             </a:pPr>
             <a:r>
-              <a:t>When to use Context API:</a:t>
+              <a:t>Promises offer better error propagation and composability for async operations.</a:t>
             </a:r>
           </a:p>
           <a:p>
@@ -3376,7 +3354,7 @@
               <a:defRPr sz="2400"/>
             </a:pPr>
             <a:r>
-              <a:t>- For static or lightweight state (e.g., theme, auth).</a:t>
+              <a:t>Common mistakes include forgetting to return promises in .then() chains and mixing callbacks with promises.</a:t>
             </a:r>
           </a:p>
           <a:p>
@@ -3387,62 +3365,7 @@
               <a:defRPr sz="2400"/>
             </a:pPr>
             <a:r>
-              <a:t>- When avoiding extra libraries.</a:t>
-            </a:r>
-          </a:p>
-          <a:p>
-            <a:pPr>
-              <a:spcAft>
-                <a:spcPts val="1200"/>
-              </a:spcAft>
-              <a:defRPr sz="2400"/>
-            </a:pPr>
-            <a:r>
-              <a:t>- When state changes infrequently.</a:t>
-            </a:r>
-          </a:p>
-          <a:p>
-            <a:pPr>
-              <a:spcAft>
-                <a:spcPts val="1200"/>
-              </a:spcAft>
-              <a:defRPr sz="2400"/>
-            </a:pPr>
-            <a:r>
-              <a:t>When to use Redux:</a:t>
-            </a:r>
-          </a:p>
-          <a:p>
-            <a:pPr>
-              <a:spcAft>
-                <a:spcPts val="1200"/>
-              </a:spcAft>
-              <a:defRPr sz="2400"/>
-            </a:pPr>
-            <a:r>
-              <a:t>- For large, shared, or complex app state.</a:t>
-            </a:r>
-          </a:p>
-          <a:p>
-            <a:pPr>
-              <a:spcAft>
-                <a:spcPts val="1200"/>
-              </a:spcAft>
-              <a:defRPr sz="2400"/>
-            </a:pPr>
-            <a:r>
-              <a:t>- When middleware, async handling, or devtools are needed.</a:t>
-            </a:r>
-          </a:p>
-          <a:p>
-            <a:pPr>
-              <a:spcAft>
-                <a:spcPts val="1200"/>
-              </a:spcAft>
-              <a:defRPr sz="2400"/>
-            </a:pPr>
-            <a:r>
-              <a:t>- For predictable and testable state transitions.</a:t>
+              <a:t>Async/await is syntactic sugar over promises, improving readability and error handling.</a:t>
             </a:r>
           </a:p>
         </p:txBody>

--- a/presentation.pptx
+++ b/presentation.pptx
@@ -7,6 +7,15 @@
   <p:sldIdLst>
     <p:sldId id="256" r:id="rId7"/>
     <p:sldId id="257" r:id="rId8"/>
+    <p:sldId id="258" r:id="rId9"/>
+    <p:sldId id="259" r:id="rId10"/>
+    <p:sldId id="260" r:id="rId11"/>
+    <p:sldId id="261" r:id="rId12"/>
+    <p:sldId id="262" r:id="rId13"/>
+    <p:sldId id="263" r:id="rId14"/>
+    <p:sldId id="264" r:id="rId15"/>
+    <p:sldId id="265" r:id="rId16"/>
+    <p:sldId id="266" r:id="rId17"/>
   </p:sldIdLst>
   <p:sldSz cx="9144000" cy="6858000" type="screen4x3"/>
   <p:notesSz cx="6858000" cy="9144000"/>
@@ -3096,6 +3105,80 @@
             <a:spLocks noGrp="1"/>
           </p:cNvSpPr>
           <p:nvPr>
+            <p:ph type="ctrTitle"/>
+          </p:nvPr>
+        </p:nvSpPr>
+        <p:spPr/>
+        <p:txBody>
+          <a:bodyPr/>
+          <a:lstStyle/>
+          <a:p>
+            <a:pPr>
+              <a:defRPr sz="4400">
+                <a:solidFill>
+                  <a:srgbClr val="4CAF50"/>
+                </a:solidFill>
+              </a:defRPr>
+            </a:pPr>
+            <a:r>
+              <a:t>Promises in JavaScript</a:t>
+            </a:r>
+          </a:p>
+        </p:txBody>
+      </p:sp>
+      <p:sp>
+        <p:nvSpPr>
+          <p:cNvPr id="3" name="Subtitle 2"/>
+          <p:cNvSpPr>
+            <a:spLocks noGrp="1"/>
+          </p:cNvSpPr>
+          <p:nvPr>
+            <p:ph type="subTitle" idx="1"/>
+          </p:nvPr>
+        </p:nvSpPr>
+        <p:spPr/>
+        <p:txBody>
+          <a:bodyPr/>
+          <a:lstStyle/>
+          <a:p>
+            <a:pPr>
+              <a:defRPr sz="2800">
+                <a:solidFill>
+                  <a:srgbClr val="FF9800"/>
+                </a:solidFill>
+              </a:defRPr>
+            </a:pPr>
+            <a:r>
+              <a:t>A Comprehensive Guide</a:t>
+            </a:r>
+          </a:p>
+        </p:txBody>
+      </p:sp>
+    </p:spTree>
+  </p:cSld>
+  <p:clrMapOvr>
+    <a:masterClrMapping/>
+  </p:clrMapOvr>
+</p:sld>
+</file>
+
+<file path=ppt/slides/slide10.xml><?xml version="1.0" encoding="utf-8"?>
+<p:sld xmlns:a="http://schemas.openxmlformats.org/drawingml/2006/main" xmlns:p="http://schemas.openxmlformats.org/presentationml/2006/main" xmlns:r="http://schemas.openxmlformats.org/officeDocument/2006/relationships">
+  <p:cSld>
+    <p:spTree>
+      <p:nvGrpSpPr>
+        <p:cNvPr id="1" name=""/>
+        <p:cNvGrpSpPr/>
+        <p:nvPr/>
+      </p:nvGrpSpPr>
+      <p:grpSpPr/>
+      <p:sp>
+        <p:nvSpPr>
+          <p:cNvPr id="2" name="Title 1"/>
+          <p:cNvSpPr>
+            <a:spLocks noGrp="1"/>
+          </p:cNvSpPr>
+          <p:nvPr>
             <p:ph type="title"/>
           </p:nvPr>
         </p:nvSpPr>
@@ -3104,8 +3187,15 @@
           <a:bodyPr/>
           <a:lstStyle/>
           <a:p>
-            <a:r>
-              <a:t>Slide 1</a:t>
+            <a:pPr>
+              <a:defRPr sz="3600">
+                <a:solidFill>
+                  <a:srgbClr val="4CAF50"/>
+                </a:solidFill>
+              </a:defRPr>
+            </a:pPr>
+            <a:r>
+              <a:t>Async/Await: Built on Promises</a:t>
             </a:r>
           </a:p>
         </p:txBody>
@@ -3127,101 +3217,126 @@
           <a:p/>
           <a:p>
             <a:pPr>
-              <a:spcAft>
-                <a:spcPts val="1200"/>
-              </a:spcAft>
-              <a:defRPr sz="2400"/>
-            </a:pPr>
-            <a:r>
-              <a:t>A Promise is an object representing the eventual completion or failure of an asynchronous operation.</a:t>
-            </a:r>
-          </a:p>
+              <a:defRPr sz="2400">
+                <a:solidFill>
+                  <a:srgbClr val="212121"/>
+                </a:solidFill>
+              </a:defRPr>
+            </a:pPr>
+            <a:r>
+              <a:t>Async/await provides syntactic sugar over promises for better readability.</a:t>
+            </a:r>
+          </a:p>
+          <a:p/>
+          <a:p>
+            <a:pPr lvl="1">
+              <a:defRPr sz="2000">
+                <a:solidFill>
+                  <a:srgbClr val="FF9800"/>
+                </a:solidFill>
+              </a:defRPr>
+            </a:pPr>
+            <a:r>
+              <a:t>Use 'async' to declare a function that returns a promise.</a:t>
+            </a:r>
+          </a:p>
+          <a:p>
+            <a:pPr lvl="1">
+              <a:defRPr sz="2000">
+                <a:solidFill>
+                  <a:srgbClr val="FF9800"/>
+                </a:solidFill>
+              </a:defRPr>
+            </a:pPr>
+            <a:r>
+              <a:t>Use 'await' to pause execution until a promise resolves.</a:t>
+            </a:r>
+          </a:p>
+          <a:p>
+            <a:pPr lvl="1">
+              <a:defRPr sz="2000">
+                <a:solidFill>
+                  <a:srgbClr val="FF9800"/>
+                </a:solidFill>
+              </a:defRPr>
+            </a:pPr>
+            <a:r>
+              <a:t>Wrap in try/catch for error handling.</a:t>
+            </a:r>
+          </a:p>
+        </p:txBody>
+      </p:sp>
+    </p:spTree>
+  </p:cSld>
+  <p:clrMapOvr>
+    <a:masterClrMapping/>
+  </p:clrMapOvr>
+</p:sld>
+</file>
+
+<file path=ppt/slides/slide11.xml><?xml version="1.0" encoding="utf-8"?>
+<p:sld xmlns:a="http://schemas.openxmlformats.org/drawingml/2006/main" xmlns:p="http://schemas.openxmlformats.org/presentationml/2006/main" xmlns:r="http://schemas.openxmlformats.org/officeDocument/2006/relationships">
+  <p:cSld>
+    <p:spTree>
+      <p:nvGrpSpPr>
+        <p:cNvPr id="1" name=""/>
+        <p:cNvGrpSpPr/>
+        <p:nvPr/>
+      </p:nvGrpSpPr>
+      <p:grpSpPr/>
+      <p:sp>
+        <p:nvSpPr>
+          <p:cNvPr id="2" name="Title 1"/>
+          <p:cNvSpPr>
+            <a:spLocks noGrp="1"/>
+          </p:cNvSpPr>
+          <p:nvPr>
+            <p:ph type="title"/>
+          </p:nvPr>
+        </p:nvSpPr>
+        <p:spPr/>
+        <p:txBody>
+          <a:bodyPr/>
+          <a:lstStyle/>
           <a:p>
             <a:pPr>
-              <a:spcAft>
-                <a:spcPts val="1200"/>
-              </a:spcAft>
-              <a:defRPr sz="2400"/>
-            </a:pPr>
-            <a:r>
-              <a:t>Promises have three states: Pending, Fulfilled, and Rejected.</a:t>
-            </a:r>
-          </a:p>
+              <a:defRPr sz="4000">
+                <a:solidFill>
+                  <a:srgbClr val="4CAF50"/>
+                </a:solidFill>
+              </a:defRPr>
+            </a:pPr>
+            <a:r>
+              <a:t>Thank You!</a:t>
+            </a:r>
+          </a:p>
+        </p:txBody>
+      </p:sp>
+      <p:sp>
+        <p:nvSpPr>
+          <p:cNvPr id="3" name="Text Placeholder 2"/>
+          <p:cNvSpPr>
+            <a:spLocks noGrp="1"/>
+          </p:cNvSpPr>
+          <p:nvPr>
+            <p:ph type="body" idx="1"/>
+          </p:nvPr>
+        </p:nvSpPr>
+        <p:spPr/>
+        <p:txBody>
+          <a:bodyPr/>
+          <a:lstStyle/>
+          <a:p/>
           <a:p>
             <a:pPr>
-              <a:spcAft>
-                <a:spcPts val="1200"/>
-              </a:spcAft>
-              <a:defRPr sz="2400"/>
-            </a:pPr>
-            <a:r>
-              <a:t>Basic syntax involves creating a new Promise with resolve and reject functions.</a:t>
-            </a:r>
-          </a:p>
-          <a:p>
-            <a:pPr>
-              <a:spcAft>
-                <a:spcPts val="1200"/>
-              </a:spcAft>
-              <a:defRPr sz="2400"/>
-            </a:pPr>
-            <a:r>
-              <a:t>Promises are immutable once settled (fulfilled or rejected).</a:t>
-            </a:r>
-          </a:p>
-          <a:p>
-            <a:pPr>
-              <a:spcAft>
-                <a:spcPts val="1200"/>
-              </a:spcAft>
-              <a:defRPr sz="2400"/>
-            </a:pPr>
-            <a:r>
-              <a:t>The .then() method allows chaining of success and failure handlers.</a:t>
-            </a:r>
-          </a:p>
-          <a:p>
-            <a:pPr>
-              <a:spcAft>
-                <a:spcPts val="1200"/>
-              </a:spcAft>
-              <a:defRPr sz="2400"/>
-            </a:pPr>
-            <a:r>
-              <a:t>Error handling is done using .catch(), which is syntactic sugar for .then(null, errorHandler).</a:t>
-            </a:r>
-          </a:p>
-          <a:p>
-            <a:pPr>
-              <a:spcAft>
-                <a:spcPts val="1200"/>
-              </a:spcAft>
-              <a:defRPr sz="2400"/>
-            </a:pPr>
-            <a:r>
-              <a:t>The .finally() method executes regardless of the promise's outcome, useful for cleanup tasks.</a:t>
-            </a:r>
-          </a:p>
-          <a:p>
-            <a:pPr>
-              <a:spcAft>
-                <a:spcPts val="1200"/>
-              </a:spcAft>
-              <a:defRPr sz="2400"/>
-            </a:pPr>
-            <a:r>
-              <a:t>Returning a value or promise in .then() affects the next .then() in the chain.</a:t>
-            </a:r>
-          </a:p>
-          <a:p>
-            <a:pPr>
-              <a:spcAft>
-                <a:spcPts val="1200"/>
-              </a:spcAft>
-              <a:defRPr sz="2400"/>
-            </a:pPr>
-            <a:r>
-              <a:t>Static methods include Promise.resolve(), Promise.reject(), and Promise.all().</a:t>
+              <a:defRPr sz="3200">
+                <a:solidFill>
+                  <a:srgbClr val="2196F3"/>
+                </a:solidFill>
+              </a:defRPr>
+            </a:pPr>
+            <a:r>
+              <a:t>Any questions?</a:t>
             </a:r>
           </a:p>
         </p:txBody>
@@ -3259,8 +3374,15 @@
           <a:bodyPr/>
           <a:lstStyle/>
           <a:p>
-            <a:r>
-              <a:t>Slide 2</a:t>
+            <a:pPr>
+              <a:defRPr sz="3600">
+                <a:solidFill>
+                  <a:srgbClr val="4CAF50"/>
+                </a:solidFill>
+              </a:defRPr>
+            </a:pPr>
+            <a:r>
+              <a:t>Introduction to Promises in JavaScript</a:t>
             </a:r>
           </a:p>
         </p:txBody>
@@ -3282,90 +3404,883 @@
           <a:p/>
           <a:p>
             <a:pPr>
-              <a:spcAft>
-                <a:spcPts val="1200"/>
-              </a:spcAft>
-              <a:defRPr sz="2400"/>
-            </a:pPr>
-            <a:r>
-              <a:t>Promises provide a cleaner way to handle asynchronous operations compared to callbacks.</a:t>
-            </a:r>
-          </a:p>
+              <a:defRPr sz="2400">
+                <a:solidFill>
+                  <a:srgbClr val="212121"/>
+                </a:solidFill>
+              </a:defRPr>
+            </a:pPr>
+            <a:r>
+              <a:t>Promises are a powerful tool for managing asynchronous operations in JavaScript. They provide a cleaner alternative to callbacks, avoiding 'callback hell.'</a:t>
+            </a:r>
+          </a:p>
+          <a:p/>
+          <a:p>
+            <a:pPr lvl="1">
+              <a:defRPr sz="2000">
+                <a:solidFill>
+                  <a:srgbClr val="FF9800"/>
+                </a:solidFill>
+              </a:defRPr>
+            </a:pPr>
+            <a:r>
+              <a:t>A Promise represents the eventual completion (or failure) of an asynchronous operation.</a:t>
+            </a:r>
+          </a:p>
+          <a:p>
+            <a:pPr lvl="1">
+              <a:defRPr sz="2000">
+                <a:solidFill>
+                  <a:srgbClr val="FF9800"/>
+                </a:solidFill>
+              </a:defRPr>
+            </a:pPr>
+            <a:r>
+              <a:t>Promises can be in one of three states: Pending, Fulfilled, or Rejected.</a:t>
+            </a:r>
+          </a:p>
+          <a:p>
+            <a:pPr lvl="1">
+              <a:defRPr sz="2000">
+                <a:solidFill>
+                  <a:srgbClr val="FF9800"/>
+                </a:solidFill>
+              </a:defRPr>
+            </a:pPr>
+            <a:r>
+              <a:t>They simplify error handling and allow chaining of asynchronous tasks.</a:t>
+            </a:r>
+          </a:p>
+        </p:txBody>
+      </p:sp>
+    </p:spTree>
+  </p:cSld>
+  <p:clrMapOvr>
+    <a:masterClrMapping/>
+  </p:clrMapOvr>
+</p:sld>
+</file>
+
+<file path=ppt/slides/slide3.xml><?xml version="1.0" encoding="utf-8"?>
+<p:sld xmlns:a="http://schemas.openxmlformats.org/drawingml/2006/main" xmlns:p="http://schemas.openxmlformats.org/presentationml/2006/main" xmlns:r="http://schemas.openxmlformats.org/officeDocument/2006/relationships">
+  <p:cSld>
+    <p:spTree>
+      <p:nvGrpSpPr>
+        <p:cNvPr id="1" name=""/>
+        <p:cNvGrpSpPr/>
+        <p:nvPr/>
+      </p:nvGrpSpPr>
+      <p:grpSpPr/>
+      <p:sp>
+        <p:nvSpPr>
+          <p:cNvPr id="2" name="Title 1"/>
+          <p:cNvSpPr>
+            <a:spLocks noGrp="1"/>
+          </p:cNvSpPr>
+          <p:nvPr>
+            <p:ph type="title"/>
+          </p:nvPr>
+        </p:nvSpPr>
+        <p:spPr/>
+        <p:txBody>
+          <a:bodyPr/>
+          <a:lstStyle/>
           <a:p>
             <a:pPr>
-              <a:spcAft>
-                <a:spcPts val="1200"/>
-              </a:spcAft>
-              <a:defRPr sz="2400"/>
-            </a:pPr>
-            <a:r>
-              <a:t>Promise.all waits for all promises to resolve or rejects if any one fails.</a:t>
-            </a:r>
-          </a:p>
+              <a:defRPr sz="3600">
+                <a:solidFill>
+                  <a:srgbClr val="4CAF50"/>
+                </a:solidFill>
+              </a:defRPr>
+            </a:pPr>
+            <a:r>
+              <a:t>Basic Syntax of Promises</a:t>
+            </a:r>
+          </a:p>
+        </p:txBody>
+      </p:sp>
+      <p:sp>
+        <p:nvSpPr>
+          <p:cNvPr id="3" name="Content Placeholder 2"/>
+          <p:cNvSpPr>
+            <a:spLocks noGrp="1"/>
+          </p:cNvSpPr>
+          <p:nvPr>
+            <p:ph idx="1"/>
+          </p:nvPr>
+        </p:nvSpPr>
+        <p:spPr/>
+        <p:txBody>
+          <a:bodyPr/>
+          <a:lstStyle/>
+          <a:p/>
           <a:p>
             <a:pPr>
-              <a:spcAft>
-                <a:spcPts val="1200"/>
-              </a:spcAft>
-              <a:defRPr sz="2400"/>
-            </a:pPr>
-            <a:r>
-              <a:t>Promise.race resolves or rejects as soon as any one promise settles.</a:t>
-            </a:r>
-          </a:p>
+              <a:defRPr sz="2400">
+                <a:solidFill>
+                  <a:srgbClr val="212121"/>
+                </a:solidFill>
+              </a:defRPr>
+            </a:pPr>
+            <a:r>
+              <a:t>Creating a Promise involves defining a function with 'resolve' and 'reject' callbacks.</a:t>
+            </a:r>
+          </a:p>
+          <a:p/>
+          <a:p>
+            <a:pPr lvl="1">
+              <a:defRPr sz="2000">
+                <a:solidFill>
+                  <a:srgbClr val="FF9800"/>
+                </a:solidFill>
+              </a:defRPr>
+            </a:pPr>
+            <a:r>
+              <a:t>Use 'resolve(value)' to mark a promise as fulfilled.</a:t>
+            </a:r>
+          </a:p>
+          <a:p>
+            <a:pPr lvl="1">
+              <a:defRPr sz="2000">
+                <a:solidFill>
+                  <a:srgbClr val="FF9800"/>
+                </a:solidFill>
+              </a:defRPr>
+            </a:pPr>
+            <a:r>
+              <a:t>Use 'reject(error)' to mark it as rejected.</a:t>
+            </a:r>
+          </a:p>
+          <a:p>
+            <a:pPr lvl="1">
+              <a:defRPr sz="2000">
+                <a:solidFill>
+                  <a:srgbClr val="FF9800"/>
+                </a:solidFill>
+              </a:defRPr>
+            </a:pPr>
+            <a:r>
+              <a:t>Promises are immutable once settled.</a:t>
+            </a:r>
+          </a:p>
+        </p:txBody>
+      </p:sp>
+    </p:spTree>
+  </p:cSld>
+  <p:clrMapOvr>
+    <a:masterClrMapping/>
+  </p:clrMapOvr>
+</p:sld>
+</file>
+
+<file path=ppt/slides/slide4.xml><?xml version="1.0" encoding="utf-8"?>
+<p:sld xmlns:a="http://schemas.openxmlformats.org/drawingml/2006/main" xmlns:p="http://schemas.openxmlformats.org/presentationml/2006/main" xmlns:r="http://schemas.openxmlformats.org/officeDocument/2006/relationships">
+  <p:cSld>
+    <p:spTree>
+      <p:nvGrpSpPr>
+        <p:cNvPr id="1" name=""/>
+        <p:cNvGrpSpPr/>
+        <p:nvPr/>
+      </p:nvGrpSpPr>
+      <p:grpSpPr/>
+      <p:sp>
+        <p:nvSpPr>
+          <p:cNvPr id="2" name="Title 1"/>
+          <p:cNvSpPr>
+            <a:spLocks noGrp="1"/>
+          </p:cNvSpPr>
+          <p:nvPr>
+            <p:ph type="title"/>
+          </p:nvPr>
+        </p:nvSpPr>
+        <p:spPr/>
+        <p:txBody>
+          <a:bodyPr/>
+          <a:lstStyle/>
           <a:p>
             <a:pPr>
-              <a:spcAft>
-                <a:spcPts val="1200"/>
-              </a:spcAft>
-              <a:defRPr sz="2400"/>
-            </a:pPr>
-            <a:r>
-              <a:t>Promise.allSettled waits for all promises to settle and returns their statuses and results.</a:t>
-            </a:r>
-          </a:p>
+              <a:defRPr sz="3600">
+                <a:solidFill>
+                  <a:srgbClr val="4CAF50"/>
+                </a:solidFill>
+              </a:defRPr>
+            </a:pPr>
+            <a:r>
+              <a:t>Chaining with .then()</a:t>
+            </a:r>
+          </a:p>
+        </p:txBody>
+      </p:sp>
+      <p:sp>
+        <p:nvSpPr>
+          <p:cNvPr id="3" name="Content Placeholder 2"/>
+          <p:cNvSpPr>
+            <a:spLocks noGrp="1"/>
+          </p:cNvSpPr>
+          <p:nvPr>
+            <p:ph idx="1"/>
+          </p:nvPr>
+        </p:nvSpPr>
+        <p:spPr/>
+        <p:txBody>
+          <a:bodyPr/>
+          <a:lstStyle/>
+          <a:p/>
           <a:p>
             <a:pPr>
-              <a:spcAft>
-                <a:spcPts val="1200"/>
-              </a:spcAft>
-              <a:defRPr sz="2400"/>
-            </a:pPr>
-            <a:r>
-              <a:t>Promise.any resolves as soon as one promise fulfills or returns an AggregateError if all reject.</a:t>
-            </a:r>
-          </a:p>
+              <a:defRPr sz="2400">
+                <a:solidFill>
+                  <a:srgbClr val="212121"/>
+                </a:solidFill>
+              </a:defRPr>
+            </a:pPr>
+            <a:r>
+              <a:t>The .then() method allows chaining multiple asynchronous operations.</a:t>
+            </a:r>
+          </a:p>
+          <a:p/>
+          <a:p>
+            <a:pPr lvl="1">
+              <a:defRPr sz="2000">
+                <a:solidFill>
+                  <a:srgbClr val="FF9800"/>
+                </a:solidFill>
+              </a:defRPr>
+            </a:pPr>
+            <a:r>
+              <a:t>.then() takes two arguments: a success handler and an optional failure handler.</a:t>
+            </a:r>
+          </a:p>
+          <a:p>
+            <a:pPr lvl="1">
+              <a:defRPr sz="2000">
+                <a:solidFill>
+                  <a:srgbClr val="FF9800"/>
+                </a:solidFill>
+              </a:defRPr>
+            </a:pPr>
+            <a:r>
+              <a:t>Each .then() returns a new promise, enabling chaining.</a:t>
+            </a:r>
+          </a:p>
+          <a:p>
+            <a:pPr lvl="1">
+              <a:defRPr sz="2000">
+                <a:solidFill>
+                  <a:srgbClr val="FF9800"/>
+                </a:solidFill>
+              </a:defRPr>
+            </a:pPr>
+            <a:r>
+              <a:t>Use .catch() for error handling in the chain.</a:t>
+            </a:r>
+          </a:p>
+        </p:txBody>
+      </p:sp>
+    </p:spTree>
+  </p:cSld>
+  <p:clrMapOvr>
+    <a:masterClrMapping/>
+  </p:clrMapOvr>
+</p:sld>
+</file>
+
+<file path=ppt/slides/slide5.xml><?xml version="1.0" encoding="utf-8"?>
+<p:sld xmlns:a="http://schemas.openxmlformats.org/drawingml/2006/main" xmlns:p="http://schemas.openxmlformats.org/presentationml/2006/main" xmlns:r="http://schemas.openxmlformats.org/officeDocument/2006/relationships">
+  <p:cSld>
+    <p:spTree>
+      <p:nvGrpSpPr>
+        <p:cNvPr id="1" name=""/>
+        <p:cNvGrpSpPr/>
+        <p:nvPr/>
+      </p:nvGrpSpPr>
+      <p:grpSpPr/>
+      <p:sp>
+        <p:nvSpPr>
+          <p:cNvPr id="2" name="Title 1"/>
+          <p:cNvSpPr>
+            <a:spLocks noGrp="1"/>
+          </p:cNvSpPr>
+          <p:nvPr>
+            <p:ph type="title"/>
+          </p:nvPr>
+        </p:nvSpPr>
+        <p:spPr/>
+        <p:txBody>
+          <a:bodyPr/>
+          <a:lstStyle/>
           <a:p>
             <a:pPr>
-              <a:spcAft>
-                <a:spcPts val="1200"/>
-              </a:spcAft>
-              <a:defRPr sz="2400"/>
-            </a:pPr>
-            <a:r>
-              <a:t>Promises offer better error propagation and composability for async operations.</a:t>
-            </a:r>
-          </a:p>
+              <a:defRPr sz="3600">
+                <a:solidFill>
+                  <a:srgbClr val="4CAF50"/>
+                </a:solidFill>
+              </a:defRPr>
+            </a:pPr>
+            <a:r>
+              <a:t>Error Handling with .catch()</a:t>
+            </a:r>
+          </a:p>
+        </p:txBody>
+      </p:sp>
+      <p:sp>
+        <p:nvSpPr>
+          <p:cNvPr id="3" name="Content Placeholder 2"/>
+          <p:cNvSpPr>
+            <a:spLocks noGrp="1"/>
+          </p:cNvSpPr>
+          <p:nvPr>
+            <p:ph idx="1"/>
+          </p:nvPr>
+        </p:nvSpPr>
+        <p:spPr/>
+        <p:txBody>
+          <a:bodyPr/>
+          <a:lstStyle/>
+          <a:p/>
           <a:p>
             <a:pPr>
-              <a:spcAft>
-                <a:spcPts val="1200"/>
-              </a:spcAft>
-              <a:defRPr sz="2400"/>
-            </a:pPr>
-            <a:r>
-              <a:t>Common mistakes include forgetting to return promises in .then() chains and mixing callbacks with promises.</a:t>
-            </a:r>
-          </a:p>
+              <a:defRPr sz="2400">
+                <a:solidFill>
+                  <a:srgbClr val="212121"/>
+                </a:solidFill>
+              </a:defRPr>
+            </a:pPr>
+            <a:r>
+              <a:t>.catch() is used to handle errors in promise chains.</a:t>
+            </a:r>
+          </a:p>
+          <a:p/>
+          <a:p>
+            <a:pPr lvl="1">
+              <a:defRPr sz="2000">
+                <a:solidFill>
+                  <a:srgbClr val="FF9800"/>
+                </a:solidFill>
+              </a:defRPr>
+            </a:pPr>
+            <a:r>
+              <a:t>.catch() is syntactic sugar for .then(null, errorHandler).</a:t>
+            </a:r>
+          </a:p>
+          <a:p>
+            <a:pPr lvl="1">
+              <a:defRPr sz="2000">
+                <a:solidFill>
+                  <a:srgbClr val="FF9800"/>
+                </a:solidFill>
+              </a:defRPr>
+            </a:pPr>
+            <a:r>
+              <a:t>Always recommended to catch errors to avoid unhandled rejections.</a:t>
+            </a:r>
+          </a:p>
+          <a:p>
+            <a:pPr lvl="1">
+              <a:defRPr sz="2000">
+                <a:solidFill>
+                  <a:srgbClr val="FF9800"/>
+                </a:solidFill>
+              </a:defRPr>
+            </a:pPr>
+            <a:r>
+              <a:t>Can be used at the end of a chain or for specific parts.</a:t>
+            </a:r>
+          </a:p>
+        </p:txBody>
+      </p:sp>
+    </p:spTree>
+  </p:cSld>
+  <p:clrMapOvr>
+    <a:masterClrMapping/>
+  </p:clrMapOvr>
+</p:sld>
+</file>
+
+<file path=ppt/slides/slide6.xml><?xml version="1.0" encoding="utf-8"?>
+<p:sld xmlns:a="http://schemas.openxmlformats.org/drawingml/2006/main" xmlns:p="http://schemas.openxmlformats.org/presentationml/2006/main" xmlns:r="http://schemas.openxmlformats.org/officeDocument/2006/relationships">
+  <p:cSld>
+    <p:spTree>
+      <p:nvGrpSpPr>
+        <p:cNvPr id="1" name=""/>
+        <p:cNvGrpSpPr/>
+        <p:nvPr/>
+      </p:nvGrpSpPr>
+      <p:grpSpPr/>
+      <p:sp>
+        <p:nvSpPr>
+          <p:cNvPr id="2" name="Title 1"/>
+          <p:cNvSpPr>
+            <a:spLocks noGrp="1"/>
+          </p:cNvSpPr>
+          <p:nvPr>
+            <p:ph type="title"/>
+          </p:nvPr>
+        </p:nvSpPr>
+        <p:spPr/>
+        <p:txBody>
+          <a:bodyPr/>
+          <a:lstStyle/>
           <a:p>
             <a:pPr>
-              <a:spcAft>
-                <a:spcPts val="1200"/>
-              </a:spcAft>
-              <a:defRPr sz="2400"/>
-            </a:pPr>
-            <a:r>
-              <a:t>Async/await is syntactic sugar over promises, improving readability and error handling.</a:t>
+              <a:defRPr sz="3600">
+                <a:solidFill>
+                  <a:srgbClr val="4CAF50"/>
+                </a:solidFill>
+              </a:defRPr>
+            </a:pPr>
+            <a:r>
+              <a:t>Finalization with .finally()</a:t>
+            </a:r>
+          </a:p>
+        </p:txBody>
+      </p:sp>
+      <p:sp>
+        <p:nvSpPr>
+          <p:cNvPr id="3" name="Content Placeholder 2"/>
+          <p:cNvSpPr>
+            <a:spLocks noGrp="1"/>
+          </p:cNvSpPr>
+          <p:nvPr>
+            <p:ph idx="1"/>
+          </p:nvPr>
+        </p:nvSpPr>
+        <p:spPr/>
+        <p:txBody>
+          <a:bodyPr/>
+          <a:lstStyle/>
+          <a:p/>
+          <a:p>
+            <a:pPr>
+              <a:defRPr sz="2400">
+                <a:solidFill>
+                  <a:srgbClr val="212121"/>
+                </a:solidFill>
+              </a:defRPr>
+            </a:pPr>
+            <a:r>
+              <a:t>.finally() runs cleanup tasks regardless of promise resolution or rejection.</a:t>
+            </a:r>
+          </a:p>
+          <a:p/>
+          <a:p>
+            <a:pPr lvl="1">
+              <a:defRPr sz="2000">
+                <a:solidFill>
+                  <a:srgbClr val="FF9800"/>
+                </a:solidFill>
+              </a:defRPr>
+            </a:pPr>
+            <a:r>
+              <a:t>Useful for hiding loaders or resetting states.</a:t>
+            </a:r>
+          </a:p>
+          <a:p>
+            <a:pPr lvl="1">
+              <a:defRPr sz="2000">
+                <a:solidFill>
+                  <a:srgbClr val="FF9800"/>
+                </a:solidFill>
+              </a:defRPr>
+            </a:pPr>
+            <a:r>
+              <a:t>Runs after .then() or .catch() handlers.</a:t>
+            </a:r>
+          </a:p>
+          <a:p>
+            <a:pPr lvl="1">
+              <a:defRPr sz="2000">
+                <a:solidFill>
+                  <a:srgbClr val="FF9800"/>
+                </a:solidFill>
+              </a:defRPr>
+            </a:pPr>
+            <a:r>
+              <a:t>Does not modify the promise value or error.</a:t>
+            </a:r>
+          </a:p>
+        </p:txBody>
+      </p:sp>
+    </p:spTree>
+  </p:cSld>
+  <p:clrMapOvr>
+    <a:masterClrMapping/>
+  </p:clrMapOvr>
+</p:sld>
+</file>
+
+<file path=ppt/slides/slide7.xml><?xml version="1.0" encoding="utf-8"?>
+<p:sld xmlns:a="http://schemas.openxmlformats.org/drawingml/2006/main" xmlns:p="http://schemas.openxmlformats.org/presentationml/2006/main" xmlns:r="http://schemas.openxmlformats.org/officeDocument/2006/relationships">
+  <p:cSld>
+    <p:spTree>
+      <p:nvGrpSpPr>
+        <p:cNvPr id="1" name=""/>
+        <p:cNvGrpSpPr/>
+        <p:nvPr/>
+      </p:nvGrpSpPr>
+      <p:grpSpPr/>
+      <p:sp>
+        <p:nvSpPr>
+          <p:cNvPr id="2" name="Title 1"/>
+          <p:cNvSpPr>
+            <a:spLocks noGrp="1"/>
+          </p:cNvSpPr>
+          <p:nvPr>
+            <p:ph type="title"/>
+          </p:nvPr>
+        </p:nvSpPr>
+        <p:spPr/>
+        <p:txBody>
+          <a:bodyPr/>
+          <a:lstStyle/>
+          <a:p>
+            <a:pPr>
+              <a:defRPr sz="3600">
+                <a:solidFill>
+                  <a:srgbClr val="4CAF50"/>
+                </a:solidFill>
+              </a:defRPr>
+            </a:pPr>
+            <a:r>
+              <a:t>Static Methods in Promises</a:t>
+            </a:r>
+          </a:p>
+        </p:txBody>
+      </p:sp>
+      <p:sp>
+        <p:nvSpPr>
+          <p:cNvPr id="3" name="Content Placeholder 2"/>
+          <p:cNvSpPr>
+            <a:spLocks noGrp="1"/>
+          </p:cNvSpPr>
+          <p:nvPr>
+            <p:ph idx="1"/>
+          </p:nvPr>
+        </p:nvSpPr>
+        <p:spPr/>
+        <p:txBody>
+          <a:bodyPr/>
+          <a:lstStyle/>
+          <a:p/>
+          <a:p>
+            <a:pPr>
+              <a:defRPr sz="2400">
+                <a:solidFill>
+                  <a:srgbClr val="212121"/>
+                </a:solidFill>
+              </a:defRPr>
+            </a:pPr>
+            <a:r>
+              <a:t>JavaScript provides several static methods for working with multiple promises.</a:t>
+            </a:r>
+          </a:p>
+          <a:p/>
+          <a:p>
+            <a:pPr lvl="1">
+              <a:defRPr sz="2000">
+                <a:solidFill>
+                  <a:srgbClr val="FF9800"/>
+                </a:solidFill>
+              </a:defRPr>
+            </a:pPr>
+            <a:r>
+              <a:t>Promise.resolve(value): Returns a resolved promise.</a:t>
+            </a:r>
+          </a:p>
+          <a:p>
+            <a:pPr lvl="1">
+              <a:defRPr sz="2000">
+                <a:solidFill>
+                  <a:srgbClr val="FF9800"/>
+                </a:solidFill>
+              </a:defRPr>
+            </a:pPr>
+            <a:r>
+              <a:t>Promise.reject(reason): Returns a rejected promise.</a:t>
+            </a:r>
+          </a:p>
+          <a:p>
+            <a:pPr lvl="1">
+              <a:defRPr sz="2000">
+                <a:solidFill>
+                  <a:srgbClr val="FF9800"/>
+                </a:solidFill>
+              </a:defRPr>
+            </a:pPr>
+            <a:r>
+              <a:t>Promise.all(iterable): Resolves when all promises succeed.</a:t>
+            </a:r>
+          </a:p>
+          <a:p>
+            <a:pPr lvl="1">
+              <a:defRPr sz="2000">
+                <a:solidFill>
+                  <a:srgbClr val="FF9800"/>
+                </a:solidFill>
+              </a:defRPr>
+            </a:pPr>
+            <a:r>
+              <a:t>Promise.race(iterable): Resolves or rejects as soon as one settles.</a:t>
+            </a:r>
+          </a:p>
+          <a:p>
+            <a:pPr lvl="1">
+              <a:defRPr sz="2000">
+                <a:solidFill>
+                  <a:srgbClr val="FF9800"/>
+                </a:solidFill>
+              </a:defRPr>
+            </a:pPr>
+            <a:r>
+              <a:t>Promise.allSettled(iterable): Waits for all promises to settle.</a:t>
+            </a:r>
+          </a:p>
+          <a:p>
+            <a:pPr lvl="1">
+              <a:defRPr sz="2000">
+                <a:solidFill>
+                  <a:srgbClr val="FF9800"/>
+                </a:solidFill>
+              </a:defRPr>
+            </a:pPr>
+            <a:r>
+              <a:t>Promise.any(iterable): Resolves as soon as one fulfills.</a:t>
+            </a:r>
+          </a:p>
+        </p:txBody>
+      </p:sp>
+    </p:spTree>
+  </p:cSld>
+  <p:clrMapOvr>
+    <a:masterClrMapping/>
+  </p:clrMapOvr>
+</p:sld>
+</file>
+
+<file path=ppt/slides/slide8.xml><?xml version="1.0" encoding="utf-8"?>
+<p:sld xmlns:a="http://schemas.openxmlformats.org/drawingml/2006/main" xmlns:p="http://schemas.openxmlformats.org/presentationml/2006/main" xmlns:r="http://schemas.openxmlformats.org/officeDocument/2006/relationships">
+  <p:cSld>
+    <p:spTree>
+      <p:nvGrpSpPr>
+        <p:cNvPr id="1" name=""/>
+        <p:cNvGrpSpPr/>
+        <p:nvPr/>
+      </p:nvGrpSpPr>
+      <p:grpSpPr/>
+      <p:sp>
+        <p:nvSpPr>
+          <p:cNvPr id="2" name="Title 1"/>
+          <p:cNvSpPr>
+            <a:spLocks noGrp="1"/>
+          </p:cNvSpPr>
+          <p:nvPr>
+            <p:ph type="title"/>
+          </p:nvPr>
+        </p:nvSpPr>
+        <p:spPr/>
+        <p:txBody>
+          <a:bodyPr/>
+          <a:lstStyle/>
+          <a:p>
+            <a:pPr>
+              <a:defRPr sz="3600">
+                <a:solidFill>
+                  <a:srgbClr val="4CAF50"/>
+                </a:solidFill>
+              </a:defRPr>
+            </a:pPr>
+            <a:r>
+              <a:t>Why Use Promises?</a:t>
+            </a:r>
+          </a:p>
+        </p:txBody>
+      </p:sp>
+      <p:sp>
+        <p:nvSpPr>
+          <p:cNvPr id="3" name="Content Placeholder 2"/>
+          <p:cNvSpPr>
+            <a:spLocks noGrp="1"/>
+          </p:cNvSpPr>
+          <p:nvPr>
+            <p:ph idx="1"/>
+          </p:nvPr>
+        </p:nvSpPr>
+        <p:spPr/>
+        <p:txBody>
+          <a:bodyPr/>
+          <a:lstStyle/>
+          <a:p/>
+          <a:p>
+            <a:pPr>
+              <a:defRPr sz="2400">
+                <a:solidFill>
+                  <a:srgbClr val="212121"/>
+                </a:solidFill>
+              </a:defRPr>
+            </a:pPr>
+            <a:r>
+              <a:t>Promises offer a standardized, cleaner way to handle asynchronous operations.</a:t>
+            </a:r>
+          </a:p>
+          <a:p/>
+          <a:p>
+            <a:pPr lvl="1">
+              <a:defRPr sz="2000">
+                <a:solidFill>
+                  <a:srgbClr val="FF9800"/>
+                </a:solidFill>
+              </a:defRPr>
+            </a:pPr>
+            <a:r>
+              <a:t>Avoid nested callbacks for better readability.</a:t>
+            </a:r>
+          </a:p>
+          <a:p>
+            <a:pPr lvl="1">
+              <a:defRPr sz="2000">
+                <a:solidFill>
+                  <a:srgbClr val="FF9800"/>
+                </a:solidFill>
+              </a:defRPr>
+            </a:pPr>
+            <a:r>
+              <a:t>Improved error propagation.</a:t>
+            </a:r>
+          </a:p>
+          <a:p>
+            <a:pPr lvl="1">
+              <a:defRPr sz="2000">
+                <a:solidFill>
+                  <a:srgbClr val="FF9800"/>
+                </a:solidFill>
+              </a:defRPr>
+            </a:pPr>
+            <a:r>
+              <a:t>Compose multiple async operations easily.</a:t>
+            </a:r>
+          </a:p>
+          <a:p>
+            <a:pPr lvl="1">
+              <a:defRPr sz="2000">
+                <a:solidFill>
+                  <a:srgbClr val="FF9800"/>
+                </a:solidFill>
+              </a:defRPr>
+            </a:pPr>
+            <a:r>
+              <a:t>Supported natively in ES6 and widely adopted.</a:t>
+            </a:r>
+          </a:p>
+        </p:txBody>
+      </p:sp>
+    </p:spTree>
+  </p:cSld>
+  <p:clrMapOvr>
+    <a:masterClrMapping/>
+  </p:clrMapOvr>
+</p:sld>
+</file>
+
+<file path=ppt/slides/slide9.xml><?xml version="1.0" encoding="utf-8"?>
+<p:sld xmlns:a="http://schemas.openxmlformats.org/drawingml/2006/main" xmlns:p="http://schemas.openxmlformats.org/presentationml/2006/main" xmlns:r="http://schemas.openxmlformats.org/officeDocument/2006/relationships">
+  <p:cSld>
+    <p:spTree>
+      <p:nvGrpSpPr>
+        <p:cNvPr id="1" name=""/>
+        <p:cNvGrpSpPr/>
+        <p:nvPr/>
+      </p:nvGrpSpPr>
+      <p:grpSpPr/>
+      <p:sp>
+        <p:nvSpPr>
+          <p:cNvPr id="2" name="Title 1"/>
+          <p:cNvSpPr>
+            <a:spLocks noGrp="1"/>
+          </p:cNvSpPr>
+          <p:nvPr>
+            <p:ph type="title"/>
+          </p:nvPr>
+        </p:nvSpPr>
+        <p:spPr/>
+        <p:txBody>
+          <a:bodyPr/>
+          <a:lstStyle/>
+          <a:p>
+            <a:pPr>
+              <a:defRPr sz="3600">
+                <a:solidFill>
+                  <a:srgbClr val="4CAF50"/>
+                </a:solidFill>
+              </a:defRPr>
+            </a:pPr>
+            <a:r>
+              <a:t>Common Mistakes to Avoid</a:t>
+            </a:r>
+          </a:p>
+        </p:txBody>
+      </p:sp>
+      <p:sp>
+        <p:nvSpPr>
+          <p:cNvPr id="3" name="Content Placeholder 2"/>
+          <p:cNvSpPr>
+            <a:spLocks noGrp="1"/>
+          </p:cNvSpPr>
+          <p:nvPr>
+            <p:ph idx="1"/>
+          </p:nvPr>
+        </p:nvSpPr>
+        <p:spPr/>
+        <p:txBody>
+          <a:bodyPr/>
+          <a:lstStyle/>
+          <a:p/>
+          <a:p>
+            <a:pPr>
+              <a:defRPr sz="2400">
+                <a:solidFill>
+                  <a:srgbClr val="212121"/>
+                </a:solidFill>
+              </a:defRPr>
+            </a:pPr>
+            <a:r>
+              <a:t>Avoid these pitfalls when working with promises.</a:t>
+            </a:r>
+          </a:p>
+          <a:p/>
+          <a:p>
+            <a:pPr lvl="1">
+              <a:defRPr sz="2000">
+                <a:solidFill>
+                  <a:srgbClr val="FF9800"/>
+                </a:solidFill>
+              </a:defRPr>
+            </a:pPr>
+            <a:r>
+              <a:t>Forgetting to return a promise in .then() chains.</a:t>
+            </a:r>
+          </a:p>
+          <a:p>
+            <a:pPr lvl="1">
+              <a:defRPr sz="2000">
+                <a:solidFill>
+                  <a:srgbClr val="FF9800"/>
+                </a:solidFill>
+              </a:defRPr>
+            </a:pPr>
+            <a:r>
+              <a:t>Not handling errors in inner chains properly.</a:t>
+            </a:r>
+          </a:p>
+          <a:p>
+            <a:pPr lvl="1">
+              <a:defRPr sz="2000">
+                <a:solidFill>
+                  <a:srgbClr val="FF9800"/>
+                </a:solidFill>
+              </a:defRPr>
+            </a:pPr>
+            <a:r>
+              <a:t>Mixing callbacks and promises in the same flow.</a:t>
             </a:r>
           </a:p>
         </p:txBody>
